--- a/08/beom/ProcessAndParalleliyAndAsynchronity.pptx
+++ b/08/beom/ProcessAndParalleliyAndAsynchronity.pptx
@@ -5941,7 +5941,7 @@
           <a:p>
             <a:r>
               <a:rPr lang="ko-KR" altLang="en-US" dirty="0"/>
-              <a:t>입출력 요청은 사용자 프로세서에서 할 수 없다</a:t>
+              <a:t>입출력 요청은 사용자 프로세스에서 할 수 없다</a:t>
             </a:r>
             <a:r>
               <a:rPr lang="en-US" altLang="ko-KR" dirty="0"/>
